--- a/presentation/Showcase on Puppet - Presentation.pptx
+++ b/presentation/Showcase on Puppet - Presentation.pptx
@@ -152,7 +152,7 @@
   </p:defaultTextStyle>
   <p:extLst>
     <p:ext uri="{EFAFB233-063F-42B5-8137-9DF3F51BA10A}">
-      <p15:sldGuideLst xmlns:p15="http://schemas.microsoft.com/office/powerpoint/2012/main" xmlns="">
+      <p15:sldGuideLst xmlns="" xmlns:p15="http://schemas.microsoft.com/office/powerpoint/2012/main">
         <p15:guide id="1" orient="horz" pos="2160">
           <p15:clr>
             <a:srgbClr val="A4A3A4"/>
@@ -2592,7 +2592,7 @@
   <dgm:whole/>
   <dgm:extLst>
     <a:ext uri="http://schemas.microsoft.com/office/drawing/2008/diagram">
-      <dsp:dataModelExt xmlns:dsp="http://schemas.microsoft.com/office/drawing/2008/diagram" relId="rId6" minVer="http://schemas.openxmlformats.org/drawingml/2006/diagram"/>
+      <dsp:dataModelExt xmlns:dsp="http://schemas.microsoft.com/office/drawing/2008/diagram" relId="rId7" minVer="http://schemas.openxmlformats.org/drawingml/2006/diagram"/>
     </a:ext>
   </dgm:extLst>
 </dgm:dataModel>
@@ -3132,7 +3132,7 @@
   <dgm:whole/>
   <dgm:extLst>
     <a:ext uri="http://schemas.microsoft.com/office/drawing/2008/diagram">
-      <dsp:dataModelExt xmlns:dsp="http://schemas.microsoft.com/office/drawing/2008/diagram" relId="rId11" minVer="http://schemas.openxmlformats.org/drawingml/2006/diagram"/>
+      <dsp:dataModelExt xmlns:dsp="http://schemas.microsoft.com/office/drawing/2008/diagram" relId="rId12" minVer="http://schemas.openxmlformats.org/drawingml/2006/diagram"/>
     </a:ext>
   </dgm:extLst>
 </dgm:dataModel>
@@ -3490,6 +3490,13 @@
         </dgm:presLayoutVars>
       </dgm:prSet>
       <dgm:spPr/>
+      <dgm:t>
+        <a:bodyPr/>
+        <a:lstStyle/>
+        <a:p>
+          <a:endParaRPr lang="it-IT"/>
+        </a:p>
+      </dgm:t>
     </dgm:pt>
     <dgm:pt modelId="{A618DA4A-9B31-45F9-8E7E-CE8BC19B418F}" type="pres">
       <dgm:prSet presAssocID="{4BC97B4D-6EC7-4C26-AABB-1BC0C3AE7737}" presName="chaos" presStyleCnt="0"/>
@@ -3722,13 +3729,13 @@
     </dgm:pt>
   </dgm:ptLst>
   <dgm:cxnLst>
-    <dgm:cxn modelId="{C8324573-8CD0-4B88-AF24-47121584B1A1}" type="presOf" srcId="{367D669D-D44D-4283-B566-77840A03B088}" destId="{C889F6C1-58A0-4AAF-BB37-EA04028D811F}" srcOrd="0" destOrd="0" presId="urn:microsoft.com/office/officeart/2009/3/layout/RandomtoResultProcess"/>
-    <dgm:cxn modelId="{D992ED73-E5DF-4840-8A49-114E3086BD41}" srcId="{3AF8722C-4641-47C9-ACAA-62EA49F61C90}" destId="{367D669D-D44D-4283-B566-77840A03B088}" srcOrd="1" destOrd="0" parTransId="{B8C08946-24AF-4053-8F19-C8EFC798643C}" sibTransId="{64EC26DE-F189-4652-BDE6-867BC3C95254}"/>
+    <dgm:cxn modelId="{C45C02D2-6CFC-40A7-9B5F-28067987A90B}" srcId="{3AF8722C-4641-47C9-ACAA-62EA49F61C90}" destId="{F4559050-13EC-4D92-AC01-24B9AF323B07}" srcOrd="2" destOrd="0" parTransId="{F322DFBB-29F6-43C9-8995-CB46F218BA4D}" sibTransId="{53D064F7-2173-4711-A295-1842B03E5E37}"/>
     <dgm:cxn modelId="{A4994A03-D069-4FB3-AFF5-EB711F967DDC}" srcId="{3AF8722C-4641-47C9-ACAA-62EA49F61C90}" destId="{4BC97B4D-6EC7-4C26-AABB-1BC0C3AE7737}" srcOrd="0" destOrd="0" parTransId="{35078D32-2D42-44B4-9A8E-C60A6EDDB385}" sibTransId="{3173537A-3B80-4B8A-AC93-09D4985DC9D7}"/>
     <dgm:cxn modelId="{1239D05D-45DF-4592-85EC-614D1756B6DC}" type="presOf" srcId="{4BC97B4D-6EC7-4C26-AABB-1BC0C3AE7737}" destId="{3275DC2F-4662-4A87-9361-10C725D67221}" srcOrd="0" destOrd="0" presId="urn:microsoft.com/office/officeart/2009/3/layout/RandomtoResultProcess"/>
+    <dgm:cxn modelId="{D992ED73-E5DF-4840-8A49-114E3086BD41}" srcId="{3AF8722C-4641-47C9-ACAA-62EA49F61C90}" destId="{367D669D-D44D-4283-B566-77840A03B088}" srcOrd="1" destOrd="0" parTransId="{B8C08946-24AF-4053-8F19-C8EFC798643C}" sibTransId="{64EC26DE-F189-4652-BDE6-867BC3C95254}"/>
     <dgm:cxn modelId="{177614C6-9E05-42AB-81A6-9EBED450669F}" type="presOf" srcId="{3AF8722C-4641-47C9-ACAA-62EA49F61C90}" destId="{6FA6C626-3874-4F7C-99D6-AB3287578C4A}" srcOrd="0" destOrd="0" presId="urn:microsoft.com/office/officeart/2009/3/layout/RandomtoResultProcess"/>
     <dgm:cxn modelId="{7DFC5D32-E8F0-4894-8203-3904E64B8C8D}" type="presOf" srcId="{F4559050-13EC-4D92-AC01-24B9AF323B07}" destId="{1A20AD8C-8C3B-4E95-B13E-E463FB5A4719}" srcOrd="0" destOrd="0" presId="urn:microsoft.com/office/officeart/2009/3/layout/RandomtoResultProcess"/>
-    <dgm:cxn modelId="{C45C02D2-6CFC-40A7-9B5F-28067987A90B}" srcId="{3AF8722C-4641-47C9-ACAA-62EA49F61C90}" destId="{F4559050-13EC-4D92-AC01-24B9AF323B07}" srcOrd="2" destOrd="0" parTransId="{F322DFBB-29F6-43C9-8995-CB46F218BA4D}" sibTransId="{53D064F7-2173-4711-A295-1842B03E5E37}"/>
+    <dgm:cxn modelId="{C8324573-8CD0-4B88-AF24-47121584B1A1}" type="presOf" srcId="{367D669D-D44D-4283-B566-77840A03B088}" destId="{C889F6C1-58A0-4AAF-BB37-EA04028D811F}" srcOrd="0" destOrd="0" presId="urn:microsoft.com/office/officeart/2009/3/layout/RandomtoResultProcess"/>
     <dgm:cxn modelId="{0033FA13-D8B8-4B87-B4E6-4CBCA66F333B}" type="presParOf" srcId="{6FA6C626-3874-4F7C-99D6-AB3287578C4A}" destId="{A618DA4A-9B31-45F9-8E7E-CE8BC19B418F}" srcOrd="0" destOrd="0" presId="urn:microsoft.com/office/officeart/2009/3/layout/RandomtoResultProcess"/>
     <dgm:cxn modelId="{D18ECF92-FF78-484C-8324-03E586497B9D}" type="presParOf" srcId="{A618DA4A-9B31-45F9-8E7E-CE8BC19B418F}" destId="{3275DC2F-4662-4A87-9361-10C725D67221}" srcOrd="0" destOrd="0" presId="urn:microsoft.com/office/officeart/2009/3/layout/RandomtoResultProcess"/>
     <dgm:cxn modelId="{66262927-D27E-4433-86D0-C4B3EB6B1BD0}" type="presParOf" srcId="{A618DA4A-9B31-45F9-8E7E-CE8BC19B418F}" destId="{FF3BCC86-360D-4671-B56A-04397A2AF5EF}" srcOrd="1" destOrd="0" presId="urn:microsoft.com/office/officeart/2009/3/layout/RandomtoResultProcess"/>
@@ -3766,7 +3773,7 @@
   <dgm:whole/>
   <dgm:extLst>
     <a:ext uri="http://schemas.microsoft.com/office/drawing/2008/diagram">
-      <dsp:dataModelExt xmlns:dsp="http://schemas.microsoft.com/office/drawing/2008/diagram" relId="rId6" minVer="http://schemas.openxmlformats.org/drawingml/2006/diagram"/>
+      <dsp:dataModelExt xmlns:dsp="http://schemas.microsoft.com/office/drawing/2008/diagram" relId="rId7" minVer="http://schemas.openxmlformats.org/drawingml/2006/diagram"/>
     </a:ext>
   </dgm:extLst>
 </dgm:dataModel>
@@ -11127,6 +11134,996 @@
 </p:notesMaster>
 </file>
 
+<file path=ppt/notesSlides/notesSlide1.xml><?xml version="1.0" encoding="utf-8"?>
+<p:notes xmlns:a="http://schemas.openxmlformats.org/drawingml/2006/main" xmlns:r="http://schemas.openxmlformats.org/officeDocument/2006/relationships" xmlns:p="http://schemas.openxmlformats.org/presentationml/2006/main">
+  <p:cSld>
+    <p:spTree>
+      <p:nvGrpSpPr>
+        <p:cNvPr id="1" name=""/>
+        <p:cNvGrpSpPr/>
+        <p:nvPr/>
+      </p:nvGrpSpPr>
+      <p:grpSpPr>
+        <a:xfrm>
+          <a:off x="0" y="0"/>
+          <a:ext cx="0" cy="0"/>
+          <a:chOff x="0" y="0"/>
+          <a:chExt cx="0" cy="0"/>
+        </a:xfrm>
+      </p:grpSpPr>
+      <p:sp>
+        <p:nvSpPr>
+          <p:cNvPr id="2" name="Segnaposto immagine diapositiva 1"/>
+          <p:cNvSpPr>
+            <a:spLocks noGrp="1" noRot="1" noChangeAspect="1"/>
+          </p:cNvSpPr>
+          <p:nvPr>
+            <p:ph type="sldImg"/>
+          </p:nvPr>
+        </p:nvSpPr>
+        <p:spPr/>
+      </p:sp>
+      <p:sp>
+        <p:nvSpPr>
+          <p:cNvPr id="3" name="Segnaposto note 2"/>
+          <p:cNvSpPr>
+            <a:spLocks noGrp="1"/>
+          </p:cNvSpPr>
+          <p:nvPr>
+            <p:ph type="body" idx="1"/>
+          </p:nvPr>
+        </p:nvSpPr>
+        <p:spPr/>
+        <p:txBody>
+          <a:bodyPr/>
+          <a:lstStyle/>
+          <a:p>
+            <a:endParaRPr lang="it-IT"/>
+          </a:p>
+        </p:txBody>
+      </p:sp>
+      <p:sp>
+        <p:nvSpPr>
+          <p:cNvPr id="4" name="Segnaposto numero diapositiva 3"/>
+          <p:cNvSpPr>
+            <a:spLocks noGrp="1"/>
+          </p:cNvSpPr>
+          <p:nvPr>
+            <p:ph type="sldNum" sz="quarter" idx="10"/>
+          </p:nvPr>
+        </p:nvSpPr>
+        <p:spPr/>
+        <p:txBody>
+          <a:bodyPr/>
+          <a:lstStyle/>
+          <a:p>
+            <a:pPr>
+              <a:defRPr/>
+            </a:pPr>
+            <a:fld id="{BDADBDD1-DAD8-443E-B655-F95A225646DC}" type="slidenum">
+              <a:rPr lang="en-GB" smtClean="0"/>
+              <a:pPr>
+                <a:defRPr/>
+              </a:pPr>
+              <a:t>1</a:t>
+            </a:fld>
+            <a:endParaRPr lang="en-GB"/>
+          </a:p>
+        </p:txBody>
+      </p:sp>
+    </p:spTree>
+    <p:extLst>
+      <p:ext uri="{BB962C8B-B14F-4D97-AF65-F5344CB8AC3E}">
+        <p14:creationId xmlns:p14="http://schemas.microsoft.com/office/powerpoint/2010/main" val="4144408650"/>
+      </p:ext>
+    </p:extLst>
+  </p:cSld>
+  <p:clrMapOvr>
+    <a:masterClrMapping/>
+  </p:clrMapOvr>
+</p:notes>
+</file>
+
+<file path=ppt/notesSlides/notesSlide10.xml><?xml version="1.0" encoding="utf-8"?>
+<p:notes xmlns:a="http://schemas.openxmlformats.org/drawingml/2006/main" xmlns:r="http://schemas.openxmlformats.org/officeDocument/2006/relationships" xmlns:p="http://schemas.openxmlformats.org/presentationml/2006/main">
+  <p:cSld>
+    <p:spTree>
+      <p:nvGrpSpPr>
+        <p:cNvPr id="1" name=""/>
+        <p:cNvGrpSpPr/>
+        <p:nvPr/>
+      </p:nvGrpSpPr>
+      <p:grpSpPr>
+        <a:xfrm>
+          <a:off x="0" y="0"/>
+          <a:ext cx="0" cy="0"/>
+          <a:chOff x="0" y="0"/>
+          <a:chExt cx="0" cy="0"/>
+        </a:xfrm>
+      </p:grpSpPr>
+      <p:sp>
+        <p:nvSpPr>
+          <p:cNvPr id="2" name="Segnaposto immagine diapositiva 1"/>
+          <p:cNvSpPr>
+            <a:spLocks noGrp="1" noRot="1" noChangeAspect="1"/>
+          </p:cNvSpPr>
+          <p:nvPr>
+            <p:ph type="sldImg"/>
+          </p:nvPr>
+        </p:nvSpPr>
+        <p:spPr/>
+      </p:sp>
+      <p:sp>
+        <p:nvSpPr>
+          <p:cNvPr id="3" name="Segnaposto note 2"/>
+          <p:cNvSpPr>
+            <a:spLocks noGrp="1"/>
+          </p:cNvSpPr>
+          <p:nvPr>
+            <p:ph type="body" idx="1"/>
+          </p:nvPr>
+        </p:nvSpPr>
+        <p:spPr/>
+        <p:txBody>
+          <a:bodyPr/>
+          <a:lstStyle/>
+          <a:p>
+            <a:endParaRPr lang="it-IT"/>
+          </a:p>
+        </p:txBody>
+      </p:sp>
+      <p:sp>
+        <p:nvSpPr>
+          <p:cNvPr id="4" name="Segnaposto numero diapositiva 3"/>
+          <p:cNvSpPr>
+            <a:spLocks noGrp="1"/>
+          </p:cNvSpPr>
+          <p:nvPr>
+            <p:ph type="sldNum" sz="quarter" idx="10"/>
+          </p:nvPr>
+        </p:nvSpPr>
+        <p:spPr/>
+        <p:txBody>
+          <a:bodyPr/>
+          <a:lstStyle/>
+          <a:p>
+            <a:pPr>
+              <a:defRPr/>
+            </a:pPr>
+            <a:fld id="{BDADBDD1-DAD8-443E-B655-F95A225646DC}" type="slidenum">
+              <a:rPr lang="en-GB" smtClean="0"/>
+              <a:pPr>
+                <a:defRPr/>
+              </a:pPr>
+              <a:t>10</a:t>
+            </a:fld>
+            <a:endParaRPr lang="en-GB"/>
+          </a:p>
+        </p:txBody>
+      </p:sp>
+    </p:spTree>
+    <p:extLst>
+      <p:ext uri="{BB962C8B-B14F-4D97-AF65-F5344CB8AC3E}">
+        <p14:creationId xmlns:p14="http://schemas.microsoft.com/office/powerpoint/2010/main" val="3470016263"/>
+      </p:ext>
+    </p:extLst>
+  </p:cSld>
+  <p:clrMapOvr>
+    <a:masterClrMapping/>
+  </p:clrMapOvr>
+</p:notes>
+</file>
+
+<file path=ppt/notesSlides/notesSlide11.xml><?xml version="1.0" encoding="utf-8"?>
+<p:notes xmlns:a="http://schemas.openxmlformats.org/drawingml/2006/main" xmlns:r="http://schemas.openxmlformats.org/officeDocument/2006/relationships" xmlns:p="http://schemas.openxmlformats.org/presentationml/2006/main">
+  <p:cSld>
+    <p:spTree>
+      <p:nvGrpSpPr>
+        <p:cNvPr id="1" name=""/>
+        <p:cNvGrpSpPr/>
+        <p:nvPr/>
+      </p:nvGrpSpPr>
+      <p:grpSpPr>
+        <a:xfrm>
+          <a:off x="0" y="0"/>
+          <a:ext cx="0" cy="0"/>
+          <a:chOff x="0" y="0"/>
+          <a:chExt cx="0" cy="0"/>
+        </a:xfrm>
+      </p:grpSpPr>
+      <p:sp>
+        <p:nvSpPr>
+          <p:cNvPr id="2" name="Segnaposto immagine diapositiva 1"/>
+          <p:cNvSpPr>
+            <a:spLocks noGrp="1" noRot="1" noChangeAspect="1"/>
+          </p:cNvSpPr>
+          <p:nvPr>
+            <p:ph type="sldImg"/>
+          </p:nvPr>
+        </p:nvSpPr>
+        <p:spPr/>
+      </p:sp>
+      <p:sp>
+        <p:nvSpPr>
+          <p:cNvPr id="3" name="Segnaposto note 2"/>
+          <p:cNvSpPr>
+            <a:spLocks noGrp="1"/>
+          </p:cNvSpPr>
+          <p:nvPr>
+            <p:ph type="body" idx="1"/>
+          </p:nvPr>
+        </p:nvSpPr>
+        <p:spPr/>
+        <p:txBody>
+          <a:bodyPr/>
+          <a:lstStyle/>
+          <a:p>
+            <a:endParaRPr lang="it-IT"/>
+          </a:p>
+        </p:txBody>
+      </p:sp>
+      <p:sp>
+        <p:nvSpPr>
+          <p:cNvPr id="4" name="Segnaposto numero diapositiva 3"/>
+          <p:cNvSpPr>
+            <a:spLocks noGrp="1"/>
+          </p:cNvSpPr>
+          <p:nvPr>
+            <p:ph type="sldNum" sz="quarter" idx="10"/>
+          </p:nvPr>
+        </p:nvSpPr>
+        <p:spPr/>
+        <p:txBody>
+          <a:bodyPr/>
+          <a:lstStyle/>
+          <a:p>
+            <a:pPr>
+              <a:defRPr/>
+            </a:pPr>
+            <a:fld id="{BDADBDD1-DAD8-443E-B655-F95A225646DC}" type="slidenum">
+              <a:rPr lang="en-GB" smtClean="0"/>
+              <a:pPr>
+                <a:defRPr/>
+              </a:pPr>
+              <a:t>11</a:t>
+            </a:fld>
+            <a:endParaRPr lang="en-GB"/>
+          </a:p>
+        </p:txBody>
+      </p:sp>
+    </p:spTree>
+    <p:extLst>
+      <p:ext uri="{BB962C8B-B14F-4D97-AF65-F5344CB8AC3E}">
+        <p14:creationId xmlns:p14="http://schemas.microsoft.com/office/powerpoint/2010/main" val="1393414114"/>
+      </p:ext>
+    </p:extLst>
+  </p:cSld>
+  <p:clrMapOvr>
+    <a:masterClrMapping/>
+  </p:clrMapOvr>
+</p:notes>
+</file>
+
+<file path=ppt/notesSlides/notesSlide2.xml><?xml version="1.0" encoding="utf-8"?>
+<p:notes xmlns:a="http://schemas.openxmlformats.org/drawingml/2006/main" xmlns:r="http://schemas.openxmlformats.org/officeDocument/2006/relationships" xmlns:p="http://schemas.openxmlformats.org/presentationml/2006/main">
+  <p:cSld>
+    <p:spTree>
+      <p:nvGrpSpPr>
+        <p:cNvPr id="1" name=""/>
+        <p:cNvGrpSpPr/>
+        <p:nvPr/>
+      </p:nvGrpSpPr>
+      <p:grpSpPr>
+        <a:xfrm>
+          <a:off x="0" y="0"/>
+          <a:ext cx="0" cy="0"/>
+          <a:chOff x="0" y="0"/>
+          <a:chExt cx="0" cy="0"/>
+        </a:xfrm>
+      </p:grpSpPr>
+      <p:sp>
+        <p:nvSpPr>
+          <p:cNvPr id="2" name="Segnaposto immagine diapositiva 1"/>
+          <p:cNvSpPr>
+            <a:spLocks noGrp="1" noRot="1" noChangeAspect="1"/>
+          </p:cNvSpPr>
+          <p:nvPr>
+            <p:ph type="sldImg"/>
+          </p:nvPr>
+        </p:nvSpPr>
+        <p:spPr/>
+      </p:sp>
+      <p:sp>
+        <p:nvSpPr>
+          <p:cNvPr id="3" name="Segnaposto note 2"/>
+          <p:cNvSpPr>
+            <a:spLocks noGrp="1"/>
+          </p:cNvSpPr>
+          <p:nvPr>
+            <p:ph type="body" idx="1"/>
+          </p:nvPr>
+        </p:nvSpPr>
+        <p:spPr/>
+        <p:txBody>
+          <a:bodyPr/>
+          <a:lstStyle/>
+          <a:p>
+            <a:endParaRPr lang="it-IT"/>
+          </a:p>
+        </p:txBody>
+      </p:sp>
+      <p:sp>
+        <p:nvSpPr>
+          <p:cNvPr id="4" name="Segnaposto numero diapositiva 3"/>
+          <p:cNvSpPr>
+            <a:spLocks noGrp="1"/>
+          </p:cNvSpPr>
+          <p:nvPr>
+            <p:ph type="sldNum" sz="quarter" idx="10"/>
+          </p:nvPr>
+        </p:nvSpPr>
+        <p:spPr/>
+        <p:txBody>
+          <a:bodyPr/>
+          <a:lstStyle/>
+          <a:p>
+            <a:pPr>
+              <a:defRPr/>
+            </a:pPr>
+            <a:fld id="{BDADBDD1-DAD8-443E-B655-F95A225646DC}" type="slidenum">
+              <a:rPr lang="en-GB" smtClean="0"/>
+              <a:pPr>
+                <a:defRPr/>
+              </a:pPr>
+              <a:t>2</a:t>
+            </a:fld>
+            <a:endParaRPr lang="en-GB"/>
+          </a:p>
+        </p:txBody>
+      </p:sp>
+    </p:spTree>
+    <p:extLst>
+      <p:ext uri="{BB962C8B-B14F-4D97-AF65-F5344CB8AC3E}">
+        <p14:creationId xmlns:p14="http://schemas.microsoft.com/office/powerpoint/2010/main" val="2412718628"/>
+      </p:ext>
+    </p:extLst>
+  </p:cSld>
+  <p:clrMapOvr>
+    <a:masterClrMapping/>
+  </p:clrMapOvr>
+</p:notes>
+</file>
+
+<file path=ppt/notesSlides/notesSlide3.xml><?xml version="1.0" encoding="utf-8"?>
+<p:notes xmlns:a="http://schemas.openxmlformats.org/drawingml/2006/main" xmlns:r="http://schemas.openxmlformats.org/officeDocument/2006/relationships" xmlns:p="http://schemas.openxmlformats.org/presentationml/2006/main">
+  <p:cSld>
+    <p:spTree>
+      <p:nvGrpSpPr>
+        <p:cNvPr id="1" name=""/>
+        <p:cNvGrpSpPr/>
+        <p:nvPr/>
+      </p:nvGrpSpPr>
+      <p:grpSpPr>
+        <a:xfrm>
+          <a:off x="0" y="0"/>
+          <a:ext cx="0" cy="0"/>
+          <a:chOff x="0" y="0"/>
+          <a:chExt cx="0" cy="0"/>
+        </a:xfrm>
+      </p:grpSpPr>
+      <p:sp>
+        <p:nvSpPr>
+          <p:cNvPr id="2" name="Segnaposto immagine diapositiva 1"/>
+          <p:cNvSpPr>
+            <a:spLocks noGrp="1" noRot="1" noChangeAspect="1"/>
+          </p:cNvSpPr>
+          <p:nvPr>
+            <p:ph type="sldImg"/>
+          </p:nvPr>
+        </p:nvSpPr>
+        <p:spPr/>
+      </p:sp>
+      <p:sp>
+        <p:nvSpPr>
+          <p:cNvPr id="3" name="Segnaposto note 2"/>
+          <p:cNvSpPr>
+            <a:spLocks noGrp="1"/>
+          </p:cNvSpPr>
+          <p:nvPr>
+            <p:ph type="body" idx="1"/>
+          </p:nvPr>
+        </p:nvSpPr>
+        <p:spPr/>
+        <p:txBody>
+          <a:bodyPr/>
+          <a:lstStyle/>
+          <a:p>
+            <a:endParaRPr lang="it-IT"/>
+          </a:p>
+        </p:txBody>
+      </p:sp>
+      <p:sp>
+        <p:nvSpPr>
+          <p:cNvPr id="4" name="Segnaposto numero diapositiva 3"/>
+          <p:cNvSpPr>
+            <a:spLocks noGrp="1"/>
+          </p:cNvSpPr>
+          <p:nvPr>
+            <p:ph type="sldNum" sz="quarter" idx="10"/>
+          </p:nvPr>
+        </p:nvSpPr>
+        <p:spPr/>
+        <p:txBody>
+          <a:bodyPr/>
+          <a:lstStyle/>
+          <a:p>
+            <a:pPr>
+              <a:defRPr/>
+            </a:pPr>
+            <a:fld id="{BDADBDD1-DAD8-443E-B655-F95A225646DC}" type="slidenum">
+              <a:rPr lang="en-GB" smtClean="0"/>
+              <a:pPr>
+                <a:defRPr/>
+              </a:pPr>
+              <a:t>3</a:t>
+            </a:fld>
+            <a:endParaRPr lang="en-GB"/>
+          </a:p>
+        </p:txBody>
+      </p:sp>
+    </p:spTree>
+    <p:extLst>
+      <p:ext uri="{BB962C8B-B14F-4D97-AF65-F5344CB8AC3E}">
+        <p14:creationId xmlns:p14="http://schemas.microsoft.com/office/powerpoint/2010/main" val="3903660895"/>
+      </p:ext>
+    </p:extLst>
+  </p:cSld>
+  <p:clrMapOvr>
+    <a:masterClrMapping/>
+  </p:clrMapOvr>
+</p:notes>
+</file>
+
+<file path=ppt/notesSlides/notesSlide4.xml><?xml version="1.0" encoding="utf-8"?>
+<p:notes xmlns:a="http://schemas.openxmlformats.org/drawingml/2006/main" xmlns:r="http://schemas.openxmlformats.org/officeDocument/2006/relationships" xmlns:p="http://schemas.openxmlformats.org/presentationml/2006/main">
+  <p:cSld>
+    <p:spTree>
+      <p:nvGrpSpPr>
+        <p:cNvPr id="1" name=""/>
+        <p:cNvGrpSpPr/>
+        <p:nvPr/>
+      </p:nvGrpSpPr>
+      <p:grpSpPr>
+        <a:xfrm>
+          <a:off x="0" y="0"/>
+          <a:ext cx="0" cy="0"/>
+          <a:chOff x="0" y="0"/>
+          <a:chExt cx="0" cy="0"/>
+        </a:xfrm>
+      </p:grpSpPr>
+      <p:sp>
+        <p:nvSpPr>
+          <p:cNvPr id="2" name="Segnaposto immagine diapositiva 1"/>
+          <p:cNvSpPr>
+            <a:spLocks noGrp="1" noRot="1" noChangeAspect="1"/>
+          </p:cNvSpPr>
+          <p:nvPr>
+            <p:ph type="sldImg"/>
+          </p:nvPr>
+        </p:nvSpPr>
+        <p:spPr/>
+      </p:sp>
+      <p:sp>
+        <p:nvSpPr>
+          <p:cNvPr id="3" name="Segnaposto note 2"/>
+          <p:cNvSpPr>
+            <a:spLocks noGrp="1"/>
+          </p:cNvSpPr>
+          <p:nvPr>
+            <p:ph type="body" idx="1"/>
+          </p:nvPr>
+        </p:nvSpPr>
+        <p:spPr/>
+        <p:txBody>
+          <a:bodyPr/>
+          <a:lstStyle/>
+          <a:p>
+            <a:endParaRPr lang="it-IT"/>
+          </a:p>
+        </p:txBody>
+      </p:sp>
+      <p:sp>
+        <p:nvSpPr>
+          <p:cNvPr id="4" name="Segnaposto numero diapositiva 3"/>
+          <p:cNvSpPr>
+            <a:spLocks noGrp="1"/>
+          </p:cNvSpPr>
+          <p:nvPr>
+            <p:ph type="sldNum" sz="quarter" idx="10"/>
+          </p:nvPr>
+        </p:nvSpPr>
+        <p:spPr/>
+        <p:txBody>
+          <a:bodyPr/>
+          <a:lstStyle/>
+          <a:p>
+            <a:pPr>
+              <a:defRPr/>
+            </a:pPr>
+            <a:fld id="{BDADBDD1-DAD8-443E-B655-F95A225646DC}" type="slidenum">
+              <a:rPr lang="en-GB" smtClean="0"/>
+              <a:pPr>
+                <a:defRPr/>
+              </a:pPr>
+              <a:t>4</a:t>
+            </a:fld>
+            <a:endParaRPr lang="en-GB"/>
+          </a:p>
+        </p:txBody>
+      </p:sp>
+    </p:spTree>
+    <p:extLst>
+      <p:ext uri="{BB962C8B-B14F-4D97-AF65-F5344CB8AC3E}">
+        <p14:creationId xmlns:p14="http://schemas.microsoft.com/office/powerpoint/2010/main" val="4124570565"/>
+      </p:ext>
+    </p:extLst>
+  </p:cSld>
+  <p:clrMapOvr>
+    <a:masterClrMapping/>
+  </p:clrMapOvr>
+</p:notes>
+</file>
+
+<file path=ppt/notesSlides/notesSlide5.xml><?xml version="1.0" encoding="utf-8"?>
+<p:notes xmlns:a="http://schemas.openxmlformats.org/drawingml/2006/main" xmlns:r="http://schemas.openxmlformats.org/officeDocument/2006/relationships" xmlns:p="http://schemas.openxmlformats.org/presentationml/2006/main">
+  <p:cSld>
+    <p:spTree>
+      <p:nvGrpSpPr>
+        <p:cNvPr id="1" name=""/>
+        <p:cNvGrpSpPr/>
+        <p:nvPr/>
+      </p:nvGrpSpPr>
+      <p:grpSpPr>
+        <a:xfrm>
+          <a:off x="0" y="0"/>
+          <a:ext cx="0" cy="0"/>
+          <a:chOff x="0" y="0"/>
+          <a:chExt cx="0" cy="0"/>
+        </a:xfrm>
+      </p:grpSpPr>
+      <p:sp>
+        <p:nvSpPr>
+          <p:cNvPr id="2" name="Segnaposto immagine diapositiva 1"/>
+          <p:cNvSpPr>
+            <a:spLocks noGrp="1" noRot="1" noChangeAspect="1"/>
+          </p:cNvSpPr>
+          <p:nvPr>
+            <p:ph type="sldImg"/>
+          </p:nvPr>
+        </p:nvSpPr>
+        <p:spPr/>
+      </p:sp>
+      <p:sp>
+        <p:nvSpPr>
+          <p:cNvPr id="3" name="Segnaposto note 2"/>
+          <p:cNvSpPr>
+            <a:spLocks noGrp="1"/>
+          </p:cNvSpPr>
+          <p:nvPr>
+            <p:ph type="body" idx="1"/>
+          </p:nvPr>
+        </p:nvSpPr>
+        <p:spPr/>
+        <p:txBody>
+          <a:bodyPr/>
+          <a:lstStyle/>
+          <a:p>
+            <a:endParaRPr lang="it-IT"/>
+          </a:p>
+        </p:txBody>
+      </p:sp>
+      <p:sp>
+        <p:nvSpPr>
+          <p:cNvPr id="4" name="Segnaposto numero diapositiva 3"/>
+          <p:cNvSpPr>
+            <a:spLocks noGrp="1"/>
+          </p:cNvSpPr>
+          <p:nvPr>
+            <p:ph type="sldNum" sz="quarter" idx="10"/>
+          </p:nvPr>
+        </p:nvSpPr>
+        <p:spPr/>
+        <p:txBody>
+          <a:bodyPr/>
+          <a:lstStyle/>
+          <a:p>
+            <a:pPr>
+              <a:defRPr/>
+            </a:pPr>
+            <a:fld id="{BDADBDD1-DAD8-443E-B655-F95A225646DC}" type="slidenum">
+              <a:rPr lang="en-GB" smtClean="0"/>
+              <a:pPr>
+                <a:defRPr/>
+              </a:pPr>
+              <a:t>5</a:t>
+            </a:fld>
+            <a:endParaRPr lang="en-GB"/>
+          </a:p>
+        </p:txBody>
+      </p:sp>
+    </p:spTree>
+    <p:extLst>
+      <p:ext uri="{BB962C8B-B14F-4D97-AF65-F5344CB8AC3E}">
+        <p14:creationId xmlns:p14="http://schemas.microsoft.com/office/powerpoint/2010/main" val="1026528393"/>
+      </p:ext>
+    </p:extLst>
+  </p:cSld>
+  <p:clrMapOvr>
+    <a:masterClrMapping/>
+  </p:clrMapOvr>
+</p:notes>
+</file>
+
+<file path=ppt/notesSlides/notesSlide6.xml><?xml version="1.0" encoding="utf-8"?>
+<p:notes xmlns:a="http://schemas.openxmlformats.org/drawingml/2006/main" xmlns:r="http://schemas.openxmlformats.org/officeDocument/2006/relationships" xmlns:p="http://schemas.openxmlformats.org/presentationml/2006/main">
+  <p:cSld>
+    <p:spTree>
+      <p:nvGrpSpPr>
+        <p:cNvPr id="1" name=""/>
+        <p:cNvGrpSpPr/>
+        <p:nvPr/>
+      </p:nvGrpSpPr>
+      <p:grpSpPr>
+        <a:xfrm>
+          <a:off x="0" y="0"/>
+          <a:ext cx="0" cy="0"/>
+          <a:chOff x="0" y="0"/>
+          <a:chExt cx="0" cy="0"/>
+        </a:xfrm>
+      </p:grpSpPr>
+      <p:sp>
+        <p:nvSpPr>
+          <p:cNvPr id="2" name="Segnaposto immagine diapositiva 1"/>
+          <p:cNvSpPr>
+            <a:spLocks noGrp="1" noRot="1" noChangeAspect="1"/>
+          </p:cNvSpPr>
+          <p:nvPr>
+            <p:ph type="sldImg"/>
+          </p:nvPr>
+        </p:nvSpPr>
+        <p:spPr/>
+      </p:sp>
+      <p:sp>
+        <p:nvSpPr>
+          <p:cNvPr id="3" name="Segnaposto note 2"/>
+          <p:cNvSpPr>
+            <a:spLocks noGrp="1"/>
+          </p:cNvSpPr>
+          <p:nvPr>
+            <p:ph type="body" idx="1"/>
+          </p:nvPr>
+        </p:nvSpPr>
+        <p:spPr/>
+        <p:txBody>
+          <a:bodyPr/>
+          <a:lstStyle/>
+          <a:p>
+            <a:endParaRPr lang="it-IT"/>
+          </a:p>
+        </p:txBody>
+      </p:sp>
+      <p:sp>
+        <p:nvSpPr>
+          <p:cNvPr id="4" name="Segnaposto numero diapositiva 3"/>
+          <p:cNvSpPr>
+            <a:spLocks noGrp="1"/>
+          </p:cNvSpPr>
+          <p:nvPr>
+            <p:ph type="sldNum" sz="quarter" idx="10"/>
+          </p:nvPr>
+        </p:nvSpPr>
+        <p:spPr/>
+        <p:txBody>
+          <a:bodyPr/>
+          <a:lstStyle/>
+          <a:p>
+            <a:pPr>
+              <a:defRPr/>
+            </a:pPr>
+            <a:fld id="{BDADBDD1-DAD8-443E-B655-F95A225646DC}" type="slidenum">
+              <a:rPr lang="en-GB" smtClean="0"/>
+              <a:pPr>
+                <a:defRPr/>
+              </a:pPr>
+              <a:t>6</a:t>
+            </a:fld>
+            <a:endParaRPr lang="en-GB"/>
+          </a:p>
+        </p:txBody>
+      </p:sp>
+    </p:spTree>
+    <p:extLst>
+      <p:ext uri="{BB962C8B-B14F-4D97-AF65-F5344CB8AC3E}">
+        <p14:creationId xmlns:p14="http://schemas.microsoft.com/office/powerpoint/2010/main" val="1149354798"/>
+      </p:ext>
+    </p:extLst>
+  </p:cSld>
+  <p:clrMapOvr>
+    <a:masterClrMapping/>
+  </p:clrMapOvr>
+</p:notes>
+</file>
+
+<file path=ppt/notesSlides/notesSlide7.xml><?xml version="1.0" encoding="utf-8"?>
+<p:notes xmlns:a="http://schemas.openxmlformats.org/drawingml/2006/main" xmlns:r="http://schemas.openxmlformats.org/officeDocument/2006/relationships" xmlns:p="http://schemas.openxmlformats.org/presentationml/2006/main">
+  <p:cSld>
+    <p:spTree>
+      <p:nvGrpSpPr>
+        <p:cNvPr id="1" name=""/>
+        <p:cNvGrpSpPr/>
+        <p:nvPr/>
+      </p:nvGrpSpPr>
+      <p:grpSpPr>
+        <a:xfrm>
+          <a:off x="0" y="0"/>
+          <a:ext cx="0" cy="0"/>
+          <a:chOff x="0" y="0"/>
+          <a:chExt cx="0" cy="0"/>
+        </a:xfrm>
+      </p:grpSpPr>
+      <p:sp>
+        <p:nvSpPr>
+          <p:cNvPr id="2" name="Segnaposto immagine diapositiva 1"/>
+          <p:cNvSpPr>
+            <a:spLocks noGrp="1" noRot="1" noChangeAspect="1"/>
+          </p:cNvSpPr>
+          <p:nvPr>
+            <p:ph type="sldImg"/>
+          </p:nvPr>
+        </p:nvSpPr>
+        <p:spPr/>
+      </p:sp>
+      <p:sp>
+        <p:nvSpPr>
+          <p:cNvPr id="3" name="Segnaposto note 2"/>
+          <p:cNvSpPr>
+            <a:spLocks noGrp="1"/>
+          </p:cNvSpPr>
+          <p:nvPr>
+            <p:ph type="body" idx="1"/>
+          </p:nvPr>
+        </p:nvSpPr>
+        <p:spPr/>
+        <p:txBody>
+          <a:bodyPr/>
+          <a:lstStyle/>
+          <a:p>
+            <a:endParaRPr lang="it-IT"/>
+          </a:p>
+        </p:txBody>
+      </p:sp>
+      <p:sp>
+        <p:nvSpPr>
+          <p:cNvPr id="4" name="Segnaposto numero diapositiva 3"/>
+          <p:cNvSpPr>
+            <a:spLocks noGrp="1"/>
+          </p:cNvSpPr>
+          <p:nvPr>
+            <p:ph type="sldNum" sz="quarter" idx="10"/>
+          </p:nvPr>
+        </p:nvSpPr>
+        <p:spPr/>
+        <p:txBody>
+          <a:bodyPr/>
+          <a:lstStyle/>
+          <a:p>
+            <a:pPr>
+              <a:defRPr/>
+            </a:pPr>
+            <a:fld id="{BDADBDD1-DAD8-443E-B655-F95A225646DC}" type="slidenum">
+              <a:rPr lang="en-GB" smtClean="0"/>
+              <a:pPr>
+                <a:defRPr/>
+              </a:pPr>
+              <a:t>7</a:t>
+            </a:fld>
+            <a:endParaRPr lang="en-GB"/>
+          </a:p>
+        </p:txBody>
+      </p:sp>
+    </p:spTree>
+    <p:extLst>
+      <p:ext uri="{BB962C8B-B14F-4D97-AF65-F5344CB8AC3E}">
+        <p14:creationId xmlns:p14="http://schemas.microsoft.com/office/powerpoint/2010/main" val="3374117382"/>
+      </p:ext>
+    </p:extLst>
+  </p:cSld>
+  <p:clrMapOvr>
+    <a:masterClrMapping/>
+  </p:clrMapOvr>
+</p:notes>
+</file>
+
+<file path=ppt/notesSlides/notesSlide8.xml><?xml version="1.0" encoding="utf-8"?>
+<p:notes xmlns:a="http://schemas.openxmlformats.org/drawingml/2006/main" xmlns:r="http://schemas.openxmlformats.org/officeDocument/2006/relationships" xmlns:p="http://schemas.openxmlformats.org/presentationml/2006/main">
+  <p:cSld>
+    <p:spTree>
+      <p:nvGrpSpPr>
+        <p:cNvPr id="1" name=""/>
+        <p:cNvGrpSpPr/>
+        <p:nvPr/>
+      </p:nvGrpSpPr>
+      <p:grpSpPr>
+        <a:xfrm>
+          <a:off x="0" y="0"/>
+          <a:ext cx="0" cy="0"/>
+          <a:chOff x="0" y="0"/>
+          <a:chExt cx="0" cy="0"/>
+        </a:xfrm>
+      </p:grpSpPr>
+      <p:sp>
+        <p:nvSpPr>
+          <p:cNvPr id="2" name="Segnaposto immagine diapositiva 1"/>
+          <p:cNvSpPr>
+            <a:spLocks noGrp="1" noRot="1" noChangeAspect="1"/>
+          </p:cNvSpPr>
+          <p:nvPr>
+            <p:ph type="sldImg"/>
+          </p:nvPr>
+        </p:nvSpPr>
+        <p:spPr/>
+      </p:sp>
+      <p:sp>
+        <p:nvSpPr>
+          <p:cNvPr id="3" name="Segnaposto note 2"/>
+          <p:cNvSpPr>
+            <a:spLocks noGrp="1"/>
+          </p:cNvSpPr>
+          <p:nvPr>
+            <p:ph type="body" idx="1"/>
+          </p:nvPr>
+        </p:nvSpPr>
+        <p:spPr/>
+        <p:txBody>
+          <a:bodyPr/>
+          <a:lstStyle/>
+          <a:p>
+            <a:endParaRPr lang="it-IT"/>
+          </a:p>
+        </p:txBody>
+      </p:sp>
+      <p:sp>
+        <p:nvSpPr>
+          <p:cNvPr id="4" name="Segnaposto numero diapositiva 3"/>
+          <p:cNvSpPr>
+            <a:spLocks noGrp="1"/>
+          </p:cNvSpPr>
+          <p:nvPr>
+            <p:ph type="sldNum" sz="quarter" idx="10"/>
+          </p:nvPr>
+        </p:nvSpPr>
+        <p:spPr/>
+        <p:txBody>
+          <a:bodyPr/>
+          <a:lstStyle/>
+          <a:p>
+            <a:pPr>
+              <a:defRPr/>
+            </a:pPr>
+            <a:fld id="{BDADBDD1-DAD8-443E-B655-F95A225646DC}" type="slidenum">
+              <a:rPr lang="en-GB" smtClean="0"/>
+              <a:pPr>
+                <a:defRPr/>
+              </a:pPr>
+              <a:t>8</a:t>
+            </a:fld>
+            <a:endParaRPr lang="en-GB"/>
+          </a:p>
+        </p:txBody>
+      </p:sp>
+    </p:spTree>
+    <p:extLst>
+      <p:ext uri="{BB962C8B-B14F-4D97-AF65-F5344CB8AC3E}">
+        <p14:creationId xmlns:p14="http://schemas.microsoft.com/office/powerpoint/2010/main" val="4066279648"/>
+      </p:ext>
+    </p:extLst>
+  </p:cSld>
+  <p:clrMapOvr>
+    <a:masterClrMapping/>
+  </p:clrMapOvr>
+</p:notes>
+</file>
+
+<file path=ppt/notesSlides/notesSlide9.xml><?xml version="1.0" encoding="utf-8"?>
+<p:notes xmlns:a="http://schemas.openxmlformats.org/drawingml/2006/main" xmlns:r="http://schemas.openxmlformats.org/officeDocument/2006/relationships" xmlns:p="http://schemas.openxmlformats.org/presentationml/2006/main">
+  <p:cSld>
+    <p:spTree>
+      <p:nvGrpSpPr>
+        <p:cNvPr id="1" name=""/>
+        <p:cNvGrpSpPr/>
+        <p:nvPr/>
+      </p:nvGrpSpPr>
+      <p:grpSpPr>
+        <a:xfrm>
+          <a:off x="0" y="0"/>
+          <a:ext cx="0" cy="0"/>
+          <a:chOff x="0" y="0"/>
+          <a:chExt cx="0" cy="0"/>
+        </a:xfrm>
+      </p:grpSpPr>
+      <p:sp>
+        <p:nvSpPr>
+          <p:cNvPr id="2" name="Segnaposto immagine diapositiva 1"/>
+          <p:cNvSpPr>
+            <a:spLocks noGrp="1" noRot="1" noChangeAspect="1"/>
+          </p:cNvSpPr>
+          <p:nvPr>
+            <p:ph type="sldImg"/>
+          </p:nvPr>
+        </p:nvSpPr>
+        <p:spPr/>
+      </p:sp>
+      <p:sp>
+        <p:nvSpPr>
+          <p:cNvPr id="3" name="Segnaposto note 2"/>
+          <p:cNvSpPr>
+            <a:spLocks noGrp="1"/>
+          </p:cNvSpPr>
+          <p:nvPr>
+            <p:ph type="body" idx="1"/>
+          </p:nvPr>
+        </p:nvSpPr>
+        <p:spPr/>
+        <p:txBody>
+          <a:bodyPr/>
+          <a:lstStyle/>
+          <a:p>
+            <a:endParaRPr lang="it-IT"/>
+          </a:p>
+        </p:txBody>
+      </p:sp>
+      <p:sp>
+        <p:nvSpPr>
+          <p:cNvPr id="4" name="Segnaposto numero diapositiva 3"/>
+          <p:cNvSpPr>
+            <a:spLocks noGrp="1"/>
+          </p:cNvSpPr>
+          <p:nvPr>
+            <p:ph type="sldNum" sz="quarter" idx="10"/>
+          </p:nvPr>
+        </p:nvSpPr>
+        <p:spPr/>
+        <p:txBody>
+          <a:bodyPr/>
+          <a:lstStyle/>
+          <a:p>
+            <a:pPr>
+              <a:defRPr/>
+            </a:pPr>
+            <a:fld id="{BDADBDD1-DAD8-443E-B655-F95A225646DC}" type="slidenum">
+              <a:rPr lang="en-GB" smtClean="0"/>
+              <a:pPr>
+                <a:defRPr/>
+              </a:pPr>
+              <a:t>9</a:t>
+            </a:fld>
+            <a:endParaRPr lang="en-GB"/>
+          </a:p>
+        </p:txBody>
+      </p:sp>
+    </p:spTree>
+    <p:extLst>
+      <p:ext uri="{BB962C8B-B14F-4D97-AF65-F5344CB8AC3E}">
+        <p14:creationId xmlns:p14="http://schemas.microsoft.com/office/powerpoint/2010/main" val="922551361"/>
+      </p:ext>
+    </p:extLst>
+  </p:cSld>
+  <p:clrMapOvr>
+    <a:masterClrMapping/>
+  </p:clrMapOvr>
+</p:notes>
+</file>
+
 <file path=ppt/slideLayouts/slideLayout1.xml><?xml version="1.0" encoding="utf-8"?>
 <p:sldLayout xmlns:a="http://schemas.openxmlformats.org/drawingml/2006/main" xmlns:r="http://schemas.openxmlformats.org/officeDocument/2006/relationships" xmlns:p="http://schemas.openxmlformats.org/presentationml/2006/main" showMasterSp="0" type="title" preserve="1">
   <p:cSld name="Diapositiva de título">
@@ -12772,15 +13769,7 @@
             <a:pPr eaLnBrk="1" hangingPunct="1"/>
             <a:r>
               <a:rPr lang="en-US" sz="2800" dirty="0" smtClean="0"/>
-              <a:t>Automatic </a:t>
-            </a:r>
-            <a:r>
-              <a:rPr lang="en-US" sz="2800" dirty="0" smtClean="0"/>
-              <a:t>configuration </a:t>
-            </a:r>
-            <a:r>
-              <a:rPr lang="en-US" sz="2800" dirty="0" smtClean="0"/>
-              <a:t>systems, the case of Puppet</a:t>
+              <a:t>Automatic configuration systems, the case of Puppet</a:t>
             </a:r>
             <a:br>
               <a:rPr lang="en-US" sz="2800" dirty="0" smtClean="0"/>
@@ -12909,7 +13898,6 @@
               <a:rPr lang="en-GB" dirty="0" smtClean="0"/>
               <a:t>Demo – 3/3</a:t>
             </a:r>
-            <a:endParaRPr lang="en-GB" dirty="0" smtClean="0"/>
           </a:p>
         </p:txBody>
       </p:sp>
@@ -12938,12 +13926,20 @@
               <a:t>All the </a:t>
             </a:r>
             <a:r>
-              <a:rPr lang="en-GB" dirty="0" err="1" smtClean="0"/>
-              <a:t>matherial</a:t>
+              <a:rPr lang="en-GB" b="1" dirty="0" smtClean="0">
+                <a:solidFill>
+                  <a:srgbClr val="004359"/>
+                </a:solidFill>
+              </a:rPr>
+              <a:t>material</a:t>
             </a:r>
             <a:r>
               <a:rPr lang="en-GB" dirty="0" smtClean="0"/>
-              <a:t>, code and some documentation for this brief demo is publicly available on:</a:t>
+              <a:t>, </a:t>
+            </a:r>
+            <a:r>
+              <a:rPr lang="en-GB" dirty="0" smtClean="0"/>
+              <a:t>code and some documentation for this brief demo is publicly available on:</a:t>
             </a:r>
             <a:endParaRPr lang="en-GB" dirty="0"/>
           </a:p>
@@ -12959,19 +13955,19 @@
             </a:pPr>
             <a:r>
               <a:rPr lang="it-IT" dirty="0" smtClean="0">
-                <a:hlinkClick r:id="rId2"/>
+                <a:hlinkClick r:id="rId3"/>
               </a:rPr>
               <a:t>https</a:t>
             </a:r>
             <a:r>
               <a:rPr lang="it-IT" dirty="0">
-                <a:hlinkClick r:id="rId2"/>
+                <a:hlinkClick r:id="rId3"/>
               </a:rPr>
               <a:t>://</a:t>
             </a:r>
             <a:r>
               <a:rPr lang="it-IT" dirty="0" smtClean="0">
-                <a:hlinkClick r:id="rId2"/>
+                <a:hlinkClick r:id="rId3"/>
               </a:rPr>
               <a:t>github.com/biancini/PuppetShowcaseDemo</a:t>
             </a:r>
@@ -13009,7 +14005,7 @@
             </a:r>
             <a:r>
               <a:rPr lang="en-GB" dirty="0" smtClean="0">
-                <a:hlinkClick r:id="rId3"/>
+                <a:hlinkClick r:id="rId4"/>
               </a:rPr>
               <a:t>andrea.biancini@garr.it</a:t>
             </a:r>
@@ -13294,19 +14290,18 @@
           <a:p>
             <a:r>
               <a:rPr lang="en-GB" dirty="0" smtClean="0"/>
-              <a:t>What is </a:t>
+              <a:t>What is Puppet?</a:t>
             </a:r>
-            <a:r>
-              <a:rPr lang="en-GB" dirty="0" smtClean="0"/>
-              <a:t>Puppet?</a:t>
-            </a:r>
-            <a:endParaRPr lang="en-GB" dirty="0" smtClean="0"/>
           </a:p>
           <a:p>
             <a:pPr lvl="1"/>
             <a:r>
               <a:rPr lang="en-GB" dirty="0" smtClean="0"/>
-              <a:t>It’s purpose</a:t>
+              <a:t>Its </a:t>
+            </a:r>
+            <a:r>
+              <a:rPr lang="en-GB" dirty="0" smtClean="0"/>
+              <a:t>purpose</a:t>
             </a:r>
           </a:p>
           <a:p>
@@ -13442,7 +14437,6 @@
               <a:rPr lang="en-GB" dirty="0" smtClean="0"/>
               <a:t>What is Puppet?</a:t>
             </a:r>
-            <a:endParaRPr lang="en-GB" dirty="0" smtClean="0"/>
           </a:p>
         </p:txBody>
       </p:sp>
@@ -13466,9 +14460,9 @@
               <a:t>Puppet is a framework able to </a:t>
             </a:r>
             <a:r>
-              <a:rPr lang="en-GB" b="1" dirty="0" smtClean="0">
+              <a:rPr lang="en-GB" b="1" dirty="0">
                 <a:solidFill>
-                  <a:srgbClr val="221644"/>
+                  <a:srgbClr val="004359"/>
                 </a:solidFill>
               </a:rPr>
               <a:t>automate repetitive system administration tasks</a:t>
@@ -13487,16 +14481,16 @@
               <a:t>Puppet is </a:t>
             </a:r>
             <a:r>
-              <a:rPr lang="en-GB" b="1" dirty="0" smtClean="0">
+              <a:rPr lang="en-GB" b="1" dirty="0">
                 <a:solidFill>
-                  <a:srgbClr val="221644"/>
+                  <a:srgbClr val="004359"/>
                 </a:solidFill>
               </a:rPr>
-              <a:t>open source</a:t>
+              <a:t>open source </a:t>
             </a:r>
             <a:r>
               <a:rPr lang="en-GB" dirty="0" smtClean="0"/>
-              <a:t> (Apache 2.0 license)</a:t>
+              <a:t>(Apache 2.0 license)</a:t>
             </a:r>
           </a:p>
           <a:p>
@@ -13507,7 +14501,6 @@
               <a:rPr lang="en-GB" dirty="0" smtClean="0"/>
               <a:t>Puppet is available on Linux/Windows/UNIX/…</a:t>
             </a:r>
-            <a:endParaRPr lang="en-GB" dirty="0" smtClean="0"/>
           </a:p>
         </p:txBody>
       </p:sp>
@@ -13598,7 +14591,7 @@
           <p:nvPr/>
         </p:nvPicPr>
         <p:blipFill>
-          <a:blip r:embed="rId2">
+          <a:blip r:embed="rId3">
             <a:extLst>
               <a:ext uri="{28A0092B-C50C-407E-A947-70E740481C1C}">
                 <a14:useLocalDpi xmlns:a14="http://schemas.microsoft.com/office/drawing/2010/main" val="0"/>
@@ -13653,31 +14646,31 @@
           <a:p>
             <a:r>
               <a:rPr lang="it-IT" dirty="0" smtClean="0">
-                <a:hlinkClick r:id="rId3"/>
+                <a:hlinkClick r:id="rId4"/>
               </a:rPr>
               <a:t>puppetlabs.com/</a:t>
             </a:r>
             <a:r>
               <a:rPr lang="it-IT" dirty="0" err="1" smtClean="0">
-                <a:hlinkClick r:id="rId3"/>
+                <a:hlinkClick r:id="rId4"/>
               </a:rPr>
               <a:t>puppet</a:t>
             </a:r>
             <a:r>
               <a:rPr lang="it-IT" dirty="0" smtClean="0">
-                <a:hlinkClick r:id="rId3"/>
+                <a:hlinkClick r:id="rId4"/>
               </a:rPr>
               <a:t>/</a:t>
             </a:r>
             <a:r>
               <a:rPr lang="it-IT" dirty="0" err="1" smtClean="0">
-                <a:hlinkClick r:id="rId3"/>
+                <a:hlinkClick r:id="rId4"/>
               </a:rPr>
               <a:t>puppet</a:t>
             </a:r>
             <a:r>
               <a:rPr lang="it-IT" dirty="0" smtClean="0">
-                <a:hlinkClick r:id="rId3"/>
+                <a:hlinkClick r:id="rId4"/>
               </a:rPr>
               <a:t>-open-source</a:t>
             </a:r>
@@ -13753,7 +14746,6 @@
               <a:rPr lang="en-GB" dirty="0" smtClean="0"/>
               <a:t>How and when to use Puppet</a:t>
             </a:r>
-            <a:endParaRPr lang="en-GB" dirty="0" smtClean="0"/>
           </a:p>
         </p:txBody>
       </p:sp>
@@ -13777,9 +14769,9 @@
               <a:t>Puppet can be used to automatize the </a:t>
             </a:r>
             <a:r>
-              <a:rPr lang="en-GB" b="1" dirty="0" smtClean="0">
+              <a:rPr lang="en-GB" b="1" dirty="0">
                 <a:solidFill>
-                  <a:srgbClr val="221644"/>
+                  <a:srgbClr val="004359"/>
                 </a:solidFill>
               </a:rPr>
               <a:t>provisioning and configuration</a:t>
@@ -13878,7 +14870,7 @@
           <p:nvPr/>
         </p:nvPicPr>
         <p:blipFill>
-          <a:blip r:embed="rId2">
+          <a:blip r:embed="rId3">
             <a:extLst>
               <a:ext uri="{28A0092B-C50C-407E-A947-70E740481C1C}">
                 <a14:useLocalDpi xmlns:a14="http://schemas.microsoft.com/office/drawing/2010/main" val="0"/>
@@ -13978,7 +14970,6 @@
               <a:rPr lang="en-GB" dirty="0" smtClean="0"/>
               <a:t>Use case from GARR – 1/2</a:t>
             </a:r>
-            <a:endParaRPr lang="en-GB" dirty="0" smtClean="0"/>
           </a:p>
         </p:txBody>
       </p:sp>
@@ -14008,19 +14999,19 @@
             <a:r>
               <a:rPr lang="en-GB" b="1" dirty="0">
                 <a:solidFill>
-                  <a:srgbClr val="221644"/>
+                  <a:srgbClr val="004359"/>
                 </a:solidFill>
               </a:rPr>
-              <a:t>implement a cloud service</a:t>
+              <a:t>implement a cloud service </a:t>
             </a:r>
             <a:r>
               <a:rPr lang="en-GB" dirty="0"/>
-              <a:t> within the </a:t>
+              <a:t>within the </a:t>
             </a:r>
             <a:r>
               <a:rPr lang="en-GB" b="1" dirty="0" err="1">
                 <a:solidFill>
-                  <a:srgbClr val="221644"/>
+                  <a:srgbClr val="004359"/>
                 </a:solidFill>
               </a:rPr>
               <a:t>IdP</a:t>
@@ -14028,10 +15019,18 @@
             <a:r>
               <a:rPr lang="en-GB" b="1" dirty="0">
                 <a:solidFill>
+                  <a:srgbClr val="004359"/>
+                </a:solidFill>
+              </a:rPr>
+              <a:t> in the Cloud</a:t>
+            </a:r>
+            <a:r>
+              <a:rPr lang="en-GB" b="1" dirty="0">
+                <a:solidFill>
                   <a:srgbClr val="221644"/>
                 </a:solidFill>
               </a:rPr>
-              <a:t> in the Cloud </a:t>
+              <a:t> </a:t>
             </a:r>
             <a:r>
               <a:rPr lang="en-GB" dirty="0"/>
@@ -14216,12 +15215,12 @@
                 <a:graphicData uri="http://schemas.openxmlformats.org/presentationml/2006/ole">
                   <mc:AlternateContent xmlns:mc="http://schemas.openxmlformats.org/markup-compatibility/2006">
                     <mc:Choice xmlns:v="urn:schemas-microsoft-com:vml" Requires="v">
-                      <p:oleObj spid="_x0000_s3082" name="Image" r:id="rId3" imgW="1980952" imgH="1358730" progId="Photoshop.Image.9">
+                      <p:oleObj spid="_x0000_s3084" name="Image" r:id="rId4" imgW="1980952" imgH="1358730" progId="Photoshop.Image.9">
                         <p:embed/>
                       </p:oleObj>
                     </mc:Choice>
                     <mc:Fallback>
-                      <p:oleObj name="Image" r:id="rId3" imgW="1980952" imgH="1358730" progId="Photoshop.Image.9">
+                      <p:oleObj name="Image" r:id="rId4" imgW="1980952" imgH="1358730" progId="Photoshop.Image.9">
                         <p:embed/>
                         <p:pic>
                           <p:nvPicPr>
@@ -14232,7 +15231,7 @@
                             <p:nvPr/>
                           </p:nvPicPr>
                           <p:blipFill>
-                            <a:blip r:embed="rId4">
+                            <a:blip r:embed="rId5">
                               <a:extLst>
                                 <a:ext uri="{28A0092B-C50C-407E-A947-70E740481C1C}">
                                   <a14:useLocalDpi xmlns:a14="http://schemas.microsoft.com/office/drawing/2010/main" val="0"/>
@@ -14302,7 +15301,7 @@
                 <p:nvPr/>
               </p:nvPicPr>
               <p:blipFill>
-                <a:blip r:embed="rId5" cstate="print">
+                <a:blip r:embed="rId6" cstate="print">
                   <a:extLst>
                     <a:ext uri="{28A0092B-C50C-407E-A947-70E740481C1C}">
                       <a14:useLocalDpi xmlns:a14="http://schemas.microsoft.com/office/drawing/2010/main" val="0"/>
@@ -17961,7 +18960,7 @@
               <p:nvPr/>
             </p:nvPicPr>
             <p:blipFill>
-              <a:blip r:embed="rId6">
+              <a:blip r:embed="rId7">
                 <a:extLst>
                   <a:ext uri="{28A0092B-C50C-407E-A947-70E740481C1C}">
                     <a14:useLocalDpi xmlns:a14="http://schemas.microsoft.com/office/drawing/2010/main" val="0"/>
@@ -18025,7 +19024,7 @@
               <p:nvPr/>
             </p:nvPicPr>
             <p:blipFill>
-              <a:blip r:embed="rId6">
+              <a:blip r:embed="rId7">
                 <a:extLst>
                   <a:ext uri="{28A0092B-C50C-407E-A947-70E740481C1C}">
                     <a14:useLocalDpi xmlns:a14="http://schemas.microsoft.com/office/drawing/2010/main" val="0"/>
@@ -18140,12 +19139,12 @@
               <a:graphicData uri="http://schemas.openxmlformats.org/presentationml/2006/ole">
                 <mc:AlternateContent xmlns:mc="http://schemas.openxmlformats.org/markup-compatibility/2006">
                   <mc:Choice xmlns:v="urn:schemas-microsoft-com:vml" Requires="v">
-                    <p:oleObj spid="_x0000_s3083" name="Image" r:id="rId7" imgW="1498413" imgH="1257143" progId="Photoshop.Image.9">
+                    <p:oleObj spid="_x0000_s3085" name="Image" r:id="rId8" imgW="1498413" imgH="1257143" progId="Photoshop.Image.9">
                       <p:embed/>
                     </p:oleObj>
                   </mc:Choice>
                   <mc:Fallback>
-                    <p:oleObj name="Image" r:id="rId7" imgW="1498413" imgH="1257143" progId="Photoshop.Image.9">
+                    <p:oleObj name="Image" r:id="rId8" imgW="1498413" imgH="1257143" progId="Photoshop.Image.9">
                       <p:embed/>
                       <p:pic>
                         <p:nvPicPr>
@@ -18156,7 +19155,7 @@
                           <p:nvPr/>
                         </p:nvPicPr>
                         <p:blipFill>
-                          <a:blip r:embed="rId8">
+                          <a:blip r:embed="rId9">
                             <a:extLst>
                               <a:ext uri="{28A0092B-C50C-407E-A947-70E740481C1C}">
                                 <a14:useLocalDpi xmlns:a14="http://schemas.microsoft.com/office/drawing/2010/main" val="0"/>
@@ -18419,13 +19418,7 @@
                   <a:rPr lang="en-US" sz="1400" dirty="0" smtClean="0">
                     <a:latin typeface="+mj-lt"/>
                   </a:rPr>
-                  <a:t>web interface </a:t>
-                </a:r>
-                <a:r>
-                  <a:rPr lang="en-US" sz="1400" dirty="0" smtClean="0">
-                    <a:latin typeface="+mj-lt"/>
-                  </a:rPr>
-                  <a:t>to manage identities</a:t>
+                  <a:t>web interface to manage identities</a:t>
                 </a:r>
                 <a:endParaRPr lang="en-US" sz="1400" dirty="0">
                   <a:latin typeface="+mj-lt"/>
@@ -18571,7 +19564,7 @@
               <p:nvPr/>
             </p:nvPicPr>
             <p:blipFill>
-              <a:blip r:embed="rId9" cstate="print">
+              <a:blip r:embed="rId10" cstate="print">
                 <a:extLst>
                   <a:ext uri="{28A0092B-C50C-407E-A947-70E740481C1C}">
                     <a14:useLocalDpi xmlns:a14="http://schemas.microsoft.com/office/drawing/2010/main" val="0"/>
@@ -18669,7 +19662,7 @@
               <p:nvPr/>
             </p:nvPicPr>
             <p:blipFill>
-              <a:blip r:embed="rId10">
+              <a:blip r:embed="rId11">
                 <a:extLst>
                   <a:ext uri="{28A0092B-C50C-407E-A947-70E740481C1C}">
                     <a14:useLocalDpi xmlns:a14="http://schemas.microsoft.com/office/drawing/2010/main" val="0"/>
@@ -18807,7 +19800,6 @@
               <a:rPr lang="en-GB" dirty="0" smtClean="0"/>
               <a:t>Use case from GARR – 2/2</a:t>
             </a:r>
-            <a:endParaRPr lang="en-GB" dirty="0" smtClean="0"/>
           </a:p>
         </p:txBody>
       </p:sp>
@@ -18831,9 +19823,9 @@
               <a:t>The GARR’s Cloud infrastructure is based on </a:t>
             </a:r>
             <a:r>
-              <a:rPr lang="en-GB" b="1" dirty="0" err="1" smtClean="0">
+              <a:rPr lang="en-GB" b="1" dirty="0" err="1">
                 <a:solidFill>
-                  <a:srgbClr val="221644"/>
+                  <a:srgbClr val="004359"/>
                 </a:solidFill>
               </a:rPr>
               <a:t>OpenStack</a:t>
@@ -18842,7 +19834,6 @@
               <a:rPr lang="en-GB" dirty="0" smtClean="0"/>
               <a:t>; Puppet has been used to optimize provisioning (from manual to automatic).</a:t>
             </a:r>
-            <a:endParaRPr lang="en-GB" dirty="0" smtClean="0"/>
           </a:p>
         </p:txBody>
       </p:sp>
@@ -18956,7 +19947,7 @@
           </p:xfrm>
           <a:graphic>
             <a:graphicData uri="http://schemas.openxmlformats.org/drawingml/2006/diagram">
-              <dgm:relIds xmlns:dgm="http://schemas.openxmlformats.org/drawingml/2006/diagram" xmlns:r="http://schemas.openxmlformats.org/officeDocument/2006/relationships" r:dm="rId2" r:lo="rId3" r:qs="rId4" r:cs="rId5"/>
+              <dgm:relIds xmlns:dgm="http://schemas.openxmlformats.org/drawingml/2006/diagram" xmlns:r="http://schemas.openxmlformats.org/officeDocument/2006/relationships" r:dm="rId3" r:lo="rId4" r:qs="rId5" r:cs="rId6"/>
             </a:graphicData>
           </a:graphic>
         </p:graphicFrame>
@@ -18978,7 +19969,7 @@
           </p:xfrm>
           <a:graphic>
             <a:graphicData uri="http://schemas.openxmlformats.org/drawingml/2006/diagram">
-              <dgm:relIds xmlns:dgm="http://schemas.openxmlformats.org/drawingml/2006/diagram" xmlns:r="http://schemas.openxmlformats.org/officeDocument/2006/relationships" r:dm="rId7" r:lo="rId8" r:qs="rId9" r:cs="rId10"/>
+              <dgm:relIds xmlns:dgm="http://schemas.openxmlformats.org/drawingml/2006/diagram" xmlns:r="http://schemas.openxmlformats.org/officeDocument/2006/relationships" r:dm="rId8" r:lo="rId9" r:qs="rId10" r:cs="rId11"/>
             </a:graphicData>
           </a:graphic>
         </p:graphicFrame>
@@ -18991,7 +19982,7 @@
             <p:nvPr/>
           </p:nvPicPr>
           <p:blipFill>
-            <a:blip r:embed="rId12" cstate="print">
+            <a:blip r:embed="rId13" cstate="print">
               <a:extLst>
                 <a:ext uri="{28A0092B-C50C-407E-A947-70E740481C1C}">
                   <a14:useLocalDpi xmlns:a14="http://schemas.microsoft.com/office/drawing/2010/main" val="0"/>
@@ -19045,7 +20036,7 @@
             <p:nvPr/>
           </p:nvPicPr>
           <p:blipFill>
-            <a:blip r:embed="rId13" cstate="print">
+            <a:blip r:embed="rId14" cstate="print">
               <a:extLst>
                 <a:ext uri="{28A0092B-C50C-407E-A947-70E740481C1C}">
                   <a14:useLocalDpi xmlns:a14="http://schemas.microsoft.com/office/drawing/2010/main" val="0"/>
@@ -19614,36 +20605,36 @@
             <a:p>
               <a:pPr algn="ctr"/>
               <a:r>
-                <a:rPr lang="en-US" sz="1600" b="1" dirty="0" smtClean="0">
+                <a:rPr lang="en-US" sz="1600" b="1" dirty="0">
                   <a:solidFill>
-                    <a:srgbClr val="221644"/>
+                    <a:srgbClr val="004359"/>
                   </a:solidFill>
-                  <a:latin typeface="+mj-lt"/>
+                  <a:latin typeface="+mn-lt"/>
                 </a:rPr>
                 <a:t>Total time</a:t>
               </a:r>
               <a:br>
-                <a:rPr lang="en-US" sz="1600" b="1" dirty="0" smtClean="0">
+                <a:rPr lang="en-US" sz="1600" b="1" dirty="0">
                   <a:solidFill>
-                    <a:srgbClr val="221644"/>
+                    <a:srgbClr val="004359"/>
                   </a:solidFill>
-                  <a:latin typeface="+mj-lt"/>
+                  <a:latin typeface="+mn-lt"/>
                 </a:rPr>
               </a:br>
               <a:r>
-                <a:rPr lang="en-US" sz="1600" b="1" dirty="0" smtClean="0">
+                <a:rPr lang="en-US" sz="1600" b="1" dirty="0">
                   <a:solidFill>
-                    <a:srgbClr val="221644"/>
+                    <a:srgbClr val="004359"/>
                   </a:solidFill>
-                  <a:latin typeface="+mj-lt"/>
+                  <a:latin typeface="+mn-lt"/>
                 </a:rPr>
                 <a:t>17 minutes</a:t>
               </a:r>
               <a:endParaRPr lang="en-US" sz="1600" b="1" dirty="0">
                 <a:solidFill>
-                  <a:srgbClr val="221644"/>
+                  <a:srgbClr val="004359"/>
                 </a:solidFill>
-                <a:latin typeface="+mj-lt"/>
+                <a:latin typeface="+mn-lt"/>
               </a:endParaRPr>
             </a:p>
           </p:txBody>
@@ -19826,7 +20817,6 @@
               <a:rPr lang="en-GB" dirty="0" smtClean="0"/>
               <a:t>Basic principles of Puppet</a:t>
             </a:r>
-            <a:endParaRPr lang="en-GB" dirty="0" smtClean="0"/>
           </a:p>
         </p:txBody>
       </p:sp>
@@ -19840,7 +20830,7 @@
             <p:ph idx="1"/>
             <p:extLst>
               <p:ext uri="{D42A27DB-BD31-4B8C-83A1-F6EECF244321}">
-                <p14:modId xmlns:p14="http://schemas.microsoft.com/office/powerpoint/2010/main" val="1538565729"/>
+                <p14:modId xmlns:p14="http://schemas.microsoft.com/office/powerpoint/2010/main" val="1052734336"/>
               </p:ext>
             </p:extLst>
           </p:nvPr>
@@ -19851,7 +20841,7 @@
         </p:xfrm>
         <a:graphic>
           <a:graphicData uri="http://schemas.openxmlformats.org/drawingml/2006/diagram">
-            <dgm:relIds xmlns:dgm="http://schemas.openxmlformats.org/drawingml/2006/diagram" xmlns:r="http://schemas.openxmlformats.org/officeDocument/2006/relationships" r:dm="rId2" r:lo="rId3" r:qs="rId4" r:cs="rId5"/>
+            <dgm:relIds xmlns:dgm="http://schemas.openxmlformats.org/drawingml/2006/diagram" xmlns:r="http://schemas.openxmlformats.org/officeDocument/2006/relationships" r:dm="rId3" r:lo="rId4" r:qs="rId5" r:cs="rId6"/>
           </a:graphicData>
         </a:graphic>
       </p:graphicFrame>
@@ -19923,7 +20913,6 @@
               <a:rPr lang="en-GB" dirty="0" smtClean="0"/>
               <a:t>Demo – 1/3</a:t>
             </a:r>
-            <a:endParaRPr lang="en-GB" dirty="0" smtClean="0"/>
           </a:p>
         </p:txBody>
       </p:sp>
@@ -20079,12 +21068,12 @@
           <a:graphicData uri="http://schemas.openxmlformats.org/presentationml/2006/ole">
             <mc:AlternateContent xmlns:mc="http://schemas.openxmlformats.org/markup-compatibility/2006">
               <mc:Choice xmlns:v="urn:schemas-microsoft-com:vml" Requires="v">
-                <p:oleObj spid="_x0000_s4104" name="Visio" r:id="rId3" imgW="2692670" imgH="2980696" progId="Visio.Drawing.11">
+                <p:oleObj spid="_x0000_s4105" name="Visio" r:id="rId4" imgW="2692670" imgH="2980696" progId="Visio.Drawing.11">
                   <p:embed/>
                 </p:oleObj>
               </mc:Choice>
               <mc:Fallback>
-                <p:oleObj name="Visio" r:id="rId3" imgW="2692670" imgH="2980696" progId="Visio.Drawing.11">
+                <p:oleObj name="Visio" r:id="rId4" imgW="2692670" imgH="2980696" progId="Visio.Drawing.11">
                   <p:embed/>
                   <p:pic>
                     <p:nvPicPr>
@@ -20093,7 +21082,7 @@
                       <p:nvPr/>
                     </p:nvPicPr>
                     <p:blipFill>
-                      <a:blip r:embed="rId4"/>
+                      <a:blip r:embed="rId5"/>
                       <a:stretch>
                         <a:fillRect/>
                       </a:stretch>
@@ -20182,7 +21171,6 @@
               <a:rPr lang="en-GB" dirty="0" smtClean="0"/>
               <a:t>Demo – 2/3</a:t>
             </a:r>
-            <a:endParaRPr lang="en-GB" dirty="0" smtClean="0"/>
           </a:p>
         </p:txBody>
       </p:sp>
@@ -22166,6 +23154,65 @@
 </file>
 
 <file path=customXml/item1.xml><?xml version="1.0" encoding="utf-8"?>
+<?mso-contentType ?>
+<FormTemplates xmlns="http://schemas.microsoft.com/sharepoint/v3/contenttype/forms">
+  <Display>DocumentLibraryForm</Display>
+  <Edit>DocumentLibraryForm</Edit>
+  <New>DocumentLibraryForm</New>
+</FormTemplates>
+</file>
+
+<file path=customXml/item2.xml><?xml version="1.0" encoding="utf-8"?>
+<?mso-contentType ?>
+<spe:Receivers xmlns:spe="http://schemas.microsoft.com/sharepoint/events">
+  <Receiver>
+    <Name>Document ID Generator</Name>
+    <Synchronization>Synchronous</Synchronization>
+    <Type>10001</Type>
+    <SequenceNumber>1000</SequenceNumber>
+    <Url/>
+    <Assembly>Microsoft.Office.DocumentManagement, Version=15.0.0.0, Culture=neutral, PublicKeyToken=71e9bce111e9429c</Assembly>
+    <Class>Microsoft.Office.DocumentManagement.Internal.DocIdHandler</Class>
+    <Data/>
+    <Filter/>
+  </Receiver>
+  <Receiver>
+    <Name>Document ID Generator</Name>
+    <Synchronization>Synchronous</Synchronization>
+    <Type>10002</Type>
+    <SequenceNumber>1001</SequenceNumber>
+    <Url/>
+    <Assembly>Microsoft.Office.DocumentManagement, Version=15.0.0.0, Culture=neutral, PublicKeyToken=71e9bce111e9429c</Assembly>
+    <Class>Microsoft.Office.DocumentManagement.Internal.DocIdHandler</Class>
+    <Data/>
+    <Filter/>
+  </Receiver>
+  <Receiver>
+    <Name>Document ID Generator</Name>
+    <Synchronization>Synchronous</Synchronization>
+    <Type>10004</Type>
+    <SequenceNumber>1002</SequenceNumber>
+    <Url/>
+    <Assembly>Microsoft.Office.DocumentManagement, Version=15.0.0.0, Culture=neutral, PublicKeyToken=71e9bce111e9429c</Assembly>
+    <Class>Microsoft.Office.DocumentManagement.Internal.DocIdHandler</Class>
+    <Data/>
+    <Filter/>
+  </Receiver>
+  <Receiver>
+    <Name>Document ID Generator</Name>
+    <Synchronization>Synchronous</Synchronization>
+    <Type>10006</Type>
+    <SequenceNumber>1003</SequenceNumber>
+    <Url/>
+    <Assembly>Microsoft.Office.DocumentManagement, Version=15.0.0.0, Culture=neutral, PublicKeyToken=71e9bce111e9429c</Assembly>
+    <Class>Microsoft.Office.DocumentManagement.Internal.DocIdHandler</Class>
+    <Data/>
+    <Filter/>
+  </Receiver>
+</spe:Receivers>
+</file>
+
+<file path=customXml/item3.xml><?xml version="1.0" encoding="utf-8"?>
 <ct:contentTypeSchema xmlns:ct="http://schemas.microsoft.com/office/2006/metadata/contentType" xmlns:ma="http://schemas.microsoft.com/office/2006/metadata/properties/metaAttributes" ct:_="" ma:_="" ma:contentTypeName="Document" ma:contentTypeID="0x01010002526B26F67F824EB535D081A4E3798D" ma:contentTypeVersion="0" ma:contentTypeDescription="Create a new document." ma:contentTypeScope="" ma:versionID="442edc7894875008babed968c0b77c78">
   <xsd:schema xmlns:xsd="http://www.w3.org/2001/XMLSchema" xmlns:xs="http://www.w3.org/2001/XMLSchema" xmlns:p="http://schemas.microsoft.com/office/2006/metadata/properties" xmlns:ns2="cce05e40-4bba-48f3-9290-882e2b438b17" targetNamespace="http://schemas.microsoft.com/office/2006/metadata/properties" ma:root="true" ma:fieldsID="d65d8df6abf408865e62a256826e3d3b" ns2:_="">
     <xsd:import namespace="cce05e40-4bba-48f3-9290-882e2b438b17"/>
@@ -22310,65 +23357,6 @@
 </ct:contentTypeSchema>
 </file>
 
-<file path=customXml/item2.xml><?xml version="1.0" encoding="utf-8"?>
-<?mso-contentType ?>
-<spe:Receivers xmlns:spe="http://schemas.microsoft.com/sharepoint/events">
-  <Receiver>
-    <Name>Document ID Generator</Name>
-    <Synchronization>Synchronous</Synchronization>
-    <Type>10001</Type>
-    <SequenceNumber>1000</SequenceNumber>
-    <Url/>
-    <Assembly>Microsoft.Office.DocumentManagement, Version=15.0.0.0, Culture=neutral, PublicKeyToken=71e9bce111e9429c</Assembly>
-    <Class>Microsoft.Office.DocumentManagement.Internal.DocIdHandler</Class>
-    <Data/>
-    <Filter/>
-  </Receiver>
-  <Receiver>
-    <Name>Document ID Generator</Name>
-    <Synchronization>Synchronous</Synchronization>
-    <Type>10002</Type>
-    <SequenceNumber>1001</SequenceNumber>
-    <Url/>
-    <Assembly>Microsoft.Office.DocumentManagement, Version=15.0.0.0, Culture=neutral, PublicKeyToken=71e9bce111e9429c</Assembly>
-    <Class>Microsoft.Office.DocumentManagement.Internal.DocIdHandler</Class>
-    <Data/>
-    <Filter/>
-  </Receiver>
-  <Receiver>
-    <Name>Document ID Generator</Name>
-    <Synchronization>Synchronous</Synchronization>
-    <Type>10004</Type>
-    <SequenceNumber>1002</SequenceNumber>
-    <Url/>
-    <Assembly>Microsoft.Office.DocumentManagement, Version=15.0.0.0, Culture=neutral, PublicKeyToken=71e9bce111e9429c</Assembly>
-    <Class>Microsoft.Office.DocumentManagement.Internal.DocIdHandler</Class>
-    <Data/>
-    <Filter/>
-  </Receiver>
-  <Receiver>
-    <Name>Document ID Generator</Name>
-    <Synchronization>Synchronous</Synchronization>
-    <Type>10006</Type>
-    <SequenceNumber>1003</SequenceNumber>
-    <Url/>
-    <Assembly>Microsoft.Office.DocumentManagement, Version=15.0.0.0, Culture=neutral, PublicKeyToken=71e9bce111e9429c</Assembly>
-    <Class>Microsoft.Office.DocumentManagement.Internal.DocIdHandler</Class>
-    <Data/>
-    <Filter/>
-  </Receiver>
-</spe:Receivers>
-</file>
-
-<file path=customXml/item3.xml><?xml version="1.0" encoding="utf-8"?>
-<?mso-contentType ?>
-<FormTemplates xmlns="http://schemas.microsoft.com/sharepoint/v3/contenttype/forms">
-  <Display>DocumentLibraryForm</Display>
-  <Edit>DocumentLibraryForm</Edit>
-  <New>DocumentLibraryForm</New>
-</FormTemplates>
-</file>
-
 <file path=customXml/item4.xml><?xml version="1.0" encoding="utf-8"?>
 <p:properties xmlns:p="http://schemas.microsoft.com/office/2006/metadata/properties" xmlns:xsi="http://www.w3.org/2001/XMLSchema-instance" xmlns:pc="http://schemas.microsoft.com/office/infopath/2007/PartnerControls">
   <documentManagement>
@@ -22382,6 +23370,22 @@
 </file>
 
 <file path=customXml/itemProps1.xml><?xml version="1.0" encoding="utf-8"?>
+<ds:datastoreItem xmlns:ds="http://schemas.openxmlformats.org/officeDocument/2006/customXml" ds:itemID="{C51E1DFA-3437-4B67-B654-4305296B8857}">
+  <ds:schemaRefs>
+    <ds:schemaRef ds:uri="http://schemas.microsoft.com/sharepoint/v3/contenttype/forms"/>
+  </ds:schemaRefs>
+</ds:datastoreItem>
+</file>
+
+<file path=customXml/itemProps2.xml><?xml version="1.0" encoding="utf-8"?>
+<ds:datastoreItem xmlns:ds="http://schemas.openxmlformats.org/officeDocument/2006/customXml" ds:itemID="{9DFEBF93-1FCA-4458-9A4D-CC2B2BDA1CA4}">
+  <ds:schemaRefs>
+    <ds:schemaRef ds:uri="http://schemas.microsoft.com/sharepoint/events"/>
+  </ds:schemaRefs>
+</ds:datastoreItem>
+</file>
+
+<file path=customXml/itemProps3.xml><?xml version="1.0" encoding="utf-8"?>
 <ds:datastoreItem xmlns:ds="http://schemas.openxmlformats.org/officeDocument/2006/customXml" ds:itemID="{41DA2D5D-5CD1-4C61-9EAA-F428F3036061}">
   <ds:schemaRefs>
     <ds:schemaRef ds:uri="http://schemas.microsoft.com/office/2006/metadata/contentType"/>
@@ -22395,22 +23399,6 @@
     <ds:schemaRef ds:uri="http://purl.org/dc/elements/1.1/"/>
     <ds:schemaRef ds:uri="http://purl.org/dc/terms/"/>
     <ds:schemaRef ds:uri="http://schemas.microsoft.com/internal/obd"/>
-  </ds:schemaRefs>
-</ds:datastoreItem>
-</file>
-
-<file path=customXml/itemProps2.xml><?xml version="1.0" encoding="utf-8"?>
-<ds:datastoreItem xmlns:ds="http://schemas.openxmlformats.org/officeDocument/2006/customXml" ds:itemID="{9DFEBF93-1FCA-4458-9A4D-CC2B2BDA1CA4}">
-  <ds:schemaRefs>
-    <ds:schemaRef ds:uri="http://schemas.microsoft.com/sharepoint/events"/>
-  </ds:schemaRefs>
-</ds:datastoreItem>
-</file>
-
-<file path=customXml/itemProps3.xml><?xml version="1.0" encoding="utf-8"?>
-<ds:datastoreItem xmlns:ds="http://schemas.openxmlformats.org/officeDocument/2006/customXml" ds:itemID="{C51E1DFA-3437-4B67-B654-4305296B8857}">
-  <ds:schemaRefs>
-    <ds:schemaRef ds:uri="http://schemas.microsoft.com/sharepoint/v3/contenttype/forms"/>
   </ds:schemaRefs>
 </ds:datastoreItem>
 </file>
